--- a/ppt/04-04.pptx
+++ b/ppt/04-04.pptx
@@ -7,6 +7,9 @@
   <p:sldIdLst>
     <p:sldId id="258" r:id="rId2"/>
     <p:sldId id="259" r:id="rId3"/>
+    <p:sldId id="262" r:id="rId4"/>
+    <p:sldId id="260" r:id="rId5"/>
+    <p:sldId id="261" r:id="rId6"/>
   </p:sldIdLst>
   <p:sldSz cx="12192000" cy="6858000"/>
   <p:notesSz cx="6858000" cy="9144000"/>
@@ -2994,11 +2997,7 @@
           <a:p>
             <a:r>
               <a:rPr lang="ko-KR" altLang="en-US" sz="1400" dirty="0" smtClean="0"/>
-              <a:t>버튼 태그를 </a:t>
-            </a:r>
-            <a:r>
-              <a:rPr lang="ko-KR" altLang="en-US" sz="1400" dirty="0" smtClean="0"/>
-              <a:t>삭제해도 영역에 맞게 변경했습니다</a:t>
+              <a:t>버튼 태그를 삭제해도 영역에 맞게 변경했습니다</a:t>
             </a:r>
             <a:r>
               <a:rPr lang="en-US" altLang="ko-KR" sz="1400" dirty="0" smtClean="0"/>
@@ -3514,6 +3513,463 @@
     <p:extLst>
       <p:ext uri="{BB962C8B-B14F-4D97-AF65-F5344CB8AC3E}">
         <p14:creationId xmlns:p14="http://schemas.microsoft.com/office/powerpoint/2010/main" val="239467143"/>
+      </p:ext>
+    </p:extLst>
+  </p:cSld>
+  <p:clrMapOvr>
+    <a:masterClrMapping/>
+  </p:clrMapOvr>
+</p:sld>
+</file>
+
+<file path=ppt/slides/slide3.xml><?xml version="1.0" encoding="utf-8"?>
+<p:sld xmlns:a="http://schemas.openxmlformats.org/drawingml/2006/main" xmlns:r="http://schemas.openxmlformats.org/officeDocument/2006/relationships" xmlns:p="http://schemas.openxmlformats.org/presentationml/2006/main">
+  <p:cSld>
+    <p:spTree>
+      <p:nvGrpSpPr>
+        <p:cNvPr id="1" name=""/>
+        <p:cNvGrpSpPr/>
+        <p:nvPr/>
+      </p:nvGrpSpPr>
+      <p:grpSpPr>
+        <a:xfrm>
+          <a:off x="0" y="0"/>
+          <a:ext cx="0" cy="0"/>
+          <a:chOff x="0" y="0"/>
+          <a:chExt cx="0" cy="0"/>
+        </a:xfrm>
+      </p:grpSpPr>
+      <p:sp>
+        <p:nvSpPr>
+          <p:cNvPr id="7" name="TextBox 6"/>
+          <p:cNvSpPr txBox="1"/>
+          <p:nvPr/>
+        </p:nvSpPr>
+        <p:spPr>
+          <a:xfrm>
+            <a:off x="434714" y="262328"/>
+            <a:ext cx="1872629" cy="369332"/>
+          </a:xfrm>
+          <a:prstGeom prst="rect">
+            <a:avLst/>
+          </a:prstGeom>
+          <a:noFill/>
+        </p:spPr>
+        <p:txBody>
+          <a:bodyPr wrap="none" rtlCol="0">
+            <a:spAutoFit/>
+          </a:bodyPr>
+          <a:lstStyle/>
+          <a:p>
+            <a:r>
+              <a:rPr lang="en-US" altLang="ko-KR" dirty="0"/>
+              <a:t>UI-SJN-01-001U</a:t>
+            </a:r>
+            <a:endParaRPr lang="ko-KR" altLang="en-US" dirty="0"/>
+          </a:p>
+        </p:txBody>
+      </p:sp>
+      <p:sp>
+        <p:nvSpPr>
+          <p:cNvPr id="14" name="TextBox 13"/>
+          <p:cNvSpPr txBox="1"/>
+          <p:nvPr/>
+        </p:nvSpPr>
+        <p:spPr>
+          <a:xfrm>
+            <a:off x="5220008" y="4236116"/>
+            <a:ext cx="543739" cy="307777"/>
+          </a:xfrm>
+          <a:prstGeom prst="rect">
+            <a:avLst/>
+          </a:prstGeom>
+          <a:noFill/>
+        </p:spPr>
+        <p:txBody>
+          <a:bodyPr wrap="none" rtlCol="0">
+            <a:spAutoFit/>
+          </a:bodyPr>
+          <a:lstStyle/>
+          <a:p>
+            <a:r>
+              <a:rPr lang="ko-KR" altLang="en-US" sz="1400" dirty="0" smtClean="0"/>
+              <a:t>추가</a:t>
+            </a:r>
+            <a:endParaRPr lang="ko-KR" altLang="en-US" sz="1400" dirty="0"/>
+          </a:p>
+        </p:txBody>
+      </p:sp>
+      <p:pic>
+        <p:nvPicPr>
+          <p:cNvPr id="2" name="그림 1"/>
+          <p:cNvPicPr>
+            <a:picLocks noChangeAspect="1"/>
+          </p:cNvPicPr>
+          <p:nvPr/>
+        </p:nvPicPr>
+        <p:blipFill>
+          <a:blip r:embed="rId2"/>
+          <a:stretch>
+            <a:fillRect/>
+          </a:stretch>
+        </p:blipFill>
+        <p:spPr>
+          <a:xfrm>
+            <a:off x="549487" y="1026147"/>
+            <a:ext cx="3829584" cy="4391638"/>
+          </a:xfrm>
+          <a:prstGeom prst="rect">
+            <a:avLst/>
+          </a:prstGeom>
+        </p:spPr>
+      </p:pic>
+      <p:cxnSp>
+        <p:nvCxnSpPr>
+          <p:cNvPr id="4" name="직선 화살표 연결선 3"/>
+          <p:cNvCxnSpPr/>
+          <p:nvPr/>
+        </p:nvCxnSpPr>
+        <p:spPr>
+          <a:xfrm flipH="1">
+            <a:off x="3226279" y="4373592"/>
+            <a:ext cx="1802921" cy="0"/>
+          </a:xfrm>
+          <a:prstGeom prst="straightConnector1">
+            <a:avLst/>
+          </a:prstGeom>
+          <a:ln>
+            <a:tailEnd type="triangle"/>
+          </a:ln>
+        </p:spPr>
+        <p:style>
+          <a:lnRef idx="1">
+            <a:schemeClr val="accent1"/>
+          </a:lnRef>
+          <a:fillRef idx="0">
+            <a:schemeClr val="accent1"/>
+          </a:fillRef>
+          <a:effectRef idx="0">
+            <a:schemeClr val="accent1"/>
+          </a:effectRef>
+          <a:fontRef idx="minor">
+            <a:schemeClr val="tx1"/>
+          </a:fontRef>
+        </p:style>
+      </p:cxnSp>
+    </p:spTree>
+    <p:extLst>
+      <p:ext uri="{BB962C8B-B14F-4D97-AF65-F5344CB8AC3E}">
+        <p14:creationId xmlns:p14="http://schemas.microsoft.com/office/powerpoint/2010/main" val="402985186"/>
+      </p:ext>
+    </p:extLst>
+  </p:cSld>
+  <p:clrMapOvr>
+    <a:masterClrMapping/>
+  </p:clrMapOvr>
+</p:sld>
+</file>
+
+<file path=ppt/slides/slide4.xml><?xml version="1.0" encoding="utf-8"?>
+<p:sld xmlns:a="http://schemas.openxmlformats.org/drawingml/2006/main" xmlns:r="http://schemas.openxmlformats.org/officeDocument/2006/relationships" xmlns:p="http://schemas.openxmlformats.org/presentationml/2006/main">
+  <p:cSld>
+    <p:spTree>
+      <p:nvGrpSpPr>
+        <p:cNvPr id="1" name=""/>
+        <p:cNvGrpSpPr/>
+        <p:nvPr/>
+      </p:nvGrpSpPr>
+      <p:grpSpPr>
+        <a:xfrm>
+          <a:off x="0" y="0"/>
+          <a:ext cx="0" cy="0"/>
+          <a:chOff x="0" y="0"/>
+          <a:chExt cx="0" cy="0"/>
+        </a:xfrm>
+      </p:grpSpPr>
+      <p:pic>
+        <p:nvPicPr>
+          <p:cNvPr id="2" name="그림 1"/>
+          <p:cNvPicPr>
+            <a:picLocks noChangeAspect="1"/>
+          </p:cNvPicPr>
+          <p:nvPr/>
+        </p:nvPicPr>
+        <p:blipFill>
+          <a:blip r:embed="rId2"/>
+          <a:stretch>
+            <a:fillRect/>
+          </a:stretch>
+        </p:blipFill>
+        <p:spPr>
+          <a:xfrm>
+            <a:off x="966185" y="4252425"/>
+            <a:ext cx="4715533" cy="1457528"/>
+          </a:xfrm>
+          <a:prstGeom prst="rect">
+            <a:avLst/>
+          </a:prstGeom>
+        </p:spPr>
+      </p:pic>
+      <p:pic>
+        <p:nvPicPr>
+          <p:cNvPr id="3" name="그림 2"/>
+          <p:cNvPicPr>
+            <a:picLocks noChangeAspect="1"/>
+          </p:cNvPicPr>
+          <p:nvPr/>
+        </p:nvPicPr>
+        <p:blipFill>
+          <a:blip r:embed="rId3"/>
+          <a:stretch>
+            <a:fillRect/>
+          </a:stretch>
+        </p:blipFill>
+        <p:spPr>
+          <a:xfrm>
+            <a:off x="7878091" y="209861"/>
+            <a:ext cx="2917644" cy="5975093"/>
+          </a:xfrm>
+          <a:prstGeom prst="rect">
+            <a:avLst/>
+          </a:prstGeom>
+        </p:spPr>
+      </p:pic>
+      <p:sp>
+        <p:nvSpPr>
+          <p:cNvPr id="4" name="TextBox 3"/>
+          <p:cNvSpPr txBox="1"/>
+          <p:nvPr/>
+        </p:nvSpPr>
+        <p:spPr>
+          <a:xfrm>
+            <a:off x="6820525" y="4999220"/>
+            <a:ext cx="877163" cy="369332"/>
+          </a:xfrm>
+          <a:prstGeom prst="rect">
+            <a:avLst/>
+          </a:prstGeom>
+          <a:noFill/>
+        </p:spPr>
+        <p:txBody>
+          <a:bodyPr wrap="none" rtlCol="0">
+            <a:spAutoFit/>
+          </a:bodyPr>
+          <a:lstStyle/>
+          <a:p>
+            <a:r>
+              <a:rPr lang="ko-KR" altLang="en-US" dirty="0" smtClean="0"/>
+              <a:t>스크롤</a:t>
+            </a:r>
+            <a:endParaRPr lang="ko-KR" altLang="en-US" dirty="0"/>
+          </a:p>
+        </p:txBody>
+      </p:sp>
+    </p:spTree>
+    <p:extLst>
+      <p:ext uri="{BB962C8B-B14F-4D97-AF65-F5344CB8AC3E}">
+        <p14:creationId xmlns:p14="http://schemas.microsoft.com/office/powerpoint/2010/main" val="2710505602"/>
+      </p:ext>
+    </p:extLst>
+  </p:cSld>
+  <p:clrMapOvr>
+    <a:masterClrMapping/>
+  </p:clrMapOvr>
+</p:sld>
+</file>
+
+<file path=ppt/slides/slide5.xml><?xml version="1.0" encoding="utf-8"?>
+<p:sld xmlns:a="http://schemas.openxmlformats.org/drawingml/2006/main" xmlns:r="http://schemas.openxmlformats.org/officeDocument/2006/relationships" xmlns:p="http://schemas.openxmlformats.org/presentationml/2006/main">
+  <p:cSld>
+    <p:spTree>
+      <p:nvGrpSpPr>
+        <p:cNvPr id="1" name=""/>
+        <p:cNvGrpSpPr/>
+        <p:nvPr/>
+      </p:nvGrpSpPr>
+      <p:grpSpPr>
+        <a:xfrm>
+          <a:off x="0" y="0"/>
+          <a:ext cx="0" cy="0"/>
+          <a:chOff x="0" y="0"/>
+          <a:chExt cx="0" cy="0"/>
+        </a:xfrm>
+      </p:grpSpPr>
+      <p:sp>
+        <p:nvSpPr>
+          <p:cNvPr id="5" name="직사각형 4"/>
+          <p:cNvSpPr/>
+          <p:nvPr/>
+        </p:nvSpPr>
+        <p:spPr>
+          <a:xfrm>
+            <a:off x="4364543" y="2333799"/>
+            <a:ext cx="2450325" cy="3445899"/>
+          </a:xfrm>
+          <a:prstGeom prst="rect">
+            <a:avLst/>
+          </a:prstGeom>
+          <a:noFill/>
+          <a:ln w="50800"/>
+        </p:spPr>
+        <p:style>
+          <a:lnRef idx="2">
+            <a:schemeClr val="accent1">
+              <a:shade val="50000"/>
+            </a:schemeClr>
+          </a:lnRef>
+          <a:fillRef idx="1">
+            <a:schemeClr val="accent1"/>
+          </a:fillRef>
+          <a:effectRef idx="0">
+            <a:schemeClr val="accent1"/>
+          </a:effectRef>
+          <a:fontRef idx="minor">
+            <a:schemeClr val="lt1"/>
+          </a:fontRef>
+        </p:style>
+        <p:txBody>
+          <a:bodyPr rtlCol="0" anchor="ctr"/>
+          <a:lstStyle/>
+          <a:p>
+            <a:pPr algn="ctr"/>
+            <a:endParaRPr lang="ko-KR" altLang="en-US"/>
+          </a:p>
+        </p:txBody>
+      </p:sp>
+      <p:sp>
+        <p:nvSpPr>
+          <p:cNvPr id="6" name="직사각형 5"/>
+          <p:cNvSpPr/>
+          <p:nvPr/>
+        </p:nvSpPr>
+        <p:spPr>
+          <a:xfrm>
+            <a:off x="4128754" y="898938"/>
+            <a:ext cx="2915587" cy="5358983"/>
+          </a:xfrm>
+          <a:prstGeom prst="rect">
+            <a:avLst/>
+          </a:prstGeom>
+          <a:noFill/>
+          <a:ln w="50800">
+            <a:solidFill>
+              <a:srgbClr val="FF0000"/>
+            </a:solidFill>
+          </a:ln>
+        </p:spPr>
+        <p:style>
+          <a:lnRef idx="2">
+            <a:schemeClr val="accent1">
+              <a:shade val="50000"/>
+            </a:schemeClr>
+          </a:lnRef>
+          <a:fillRef idx="1">
+            <a:schemeClr val="accent1"/>
+          </a:fillRef>
+          <a:effectRef idx="0">
+            <a:schemeClr val="accent1"/>
+          </a:effectRef>
+          <a:fontRef idx="minor">
+            <a:schemeClr val="lt1"/>
+          </a:fontRef>
+        </p:style>
+        <p:txBody>
+          <a:bodyPr rtlCol="0" anchor="ctr"/>
+          <a:lstStyle/>
+          <a:p>
+            <a:pPr algn="ctr"/>
+            <a:endParaRPr lang="ko-KR" altLang="en-US"/>
+          </a:p>
+        </p:txBody>
+      </p:sp>
+      <p:sp>
+        <p:nvSpPr>
+          <p:cNvPr id="7" name="직사각형 6"/>
+          <p:cNvSpPr/>
+          <p:nvPr/>
+        </p:nvSpPr>
+        <p:spPr>
+          <a:xfrm>
+            <a:off x="1415480" y="2333799"/>
+            <a:ext cx="2450325" cy="3445899"/>
+          </a:xfrm>
+          <a:prstGeom prst="rect">
+            <a:avLst/>
+          </a:prstGeom>
+          <a:noFill/>
+          <a:ln w="50800"/>
+        </p:spPr>
+        <p:style>
+          <a:lnRef idx="2">
+            <a:schemeClr val="accent1">
+              <a:shade val="50000"/>
+            </a:schemeClr>
+          </a:lnRef>
+          <a:fillRef idx="1">
+            <a:schemeClr val="accent1"/>
+          </a:fillRef>
+          <a:effectRef idx="0">
+            <a:schemeClr val="accent1"/>
+          </a:effectRef>
+          <a:fontRef idx="minor">
+            <a:schemeClr val="lt1"/>
+          </a:fontRef>
+        </p:style>
+        <p:txBody>
+          <a:bodyPr rtlCol="0" anchor="ctr"/>
+          <a:lstStyle/>
+          <a:p>
+            <a:pPr algn="ctr"/>
+            <a:endParaRPr lang="ko-KR" altLang="en-US"/>
+          </a:p>
+        </p:txBody>
+      </p:sp>
+      <p:sp>
+        <p:nvSpPr>
+          <p:cNvPr id="8" name="직사각형 7"/>
+          <p:cNvSpPr/>
+          <p:nvPr/>
+        </p:nvSpPr>
+        <p:spPr>
+          <a:xfrm>
+            <a:off x="7320136" y="2333799"/>
+            <a:ext cx="2450325" cy="3445899"/>
+          </a:xfrm>
+          <a:prstGeom prst="rect">
+            <a:avLst/>
+          </a:prstGeom>
+          <a:noFill/>
+          <a:ln w="50800"/>
+        </p:spPr>
+        <p:style>
+          <a:lnRef idx="2">
+            <a:schemeClr val="accent1">
+              <a:shade val="50000"/>
+            </a:schemeClr>
+          </a:lnRef>
+          <a:fillRef idx="1">
+            <a:schemeClr val="accent1"/>
+          </a:fillRef>
+          <a:effectRef idx="0">
+            <a:schemeClr val="accent1"/>
+          </a:effectRef>
+          <a:fontRef idx="minor">
+            <a:schemeClr val="lt1"/>
+          </a:fontRef>
+        </p:style>
+        <p:txBody>
+          <a:bodyPr rtlCol="0" anchor="ctr"/>
+          <a:lstStyle/>
+          <a:p>
+            <a:pPr algn="ctr"/>
+            <a:endParaRPr lang="ko-KR" altLang="en-US"/>
+          </a:p>
+        </p:txBody>
+      </p:sp>
+    </p:spTree>
+    <p:extLst>
+      <p:ext uri="{BB962C8B-B14F-4D97-AF65-F5344CB8AC3E}">
+        <p14:creationId xmlns:p14="http://schemas.microsoft.com/office/powerpoint/2010/main" val="54778680"/>
       </p:ext>
     </p:extLst>
   </p:cSld>

--- a/ppt/04-04.pptx
+++ b/ppt/04-04.pptx
@@ -8,8 +8,6 @@
     <p:sldId id="258" r:id="rId2"/>
     <p:sldId id="259" r:id="rId3"/>
     <p:sldId id="262" r:id="rId4"/>
-    <p:sldId id="260" r:id="rId5"/>
-    <p:sldId id="261" r:id="rId6"/>
   </p:sldIdLst>
   <p:sldSz cx="12192000" cy="6858000"/>
   <p:notesSz cx="6858000" cy="9144000"/>
@@ -3669,316 +3667,6 @@
 </p:sld>
 </file>
 
-<file path=ppt/slides/slide4.xml><?xml version="1.0" encoding="utf-8"?>
-<p:sld xmlns:a="http://schemas.openxmlformats.org/drawingml/2006/main" xmlns:r="http://schemas.openxmlformats.org/officeDocument/2006/relationships" xmlns:p="http://schemas.openxmlformats.org/presentationml/2006/main">
-  <p:cSld>
-    <p:spTree>
-      <p:nvGrpSpPr>
-        <p:cNvPr id="1" name=""/>
-        <p:cNvGrpSpPr/>
-        <p:nvPr/>
-      </p:nvGrpSpPr>
-      <p:grpSpPr>
-        <a:xfrm>
-          <a:off x="0" y="0"/>
-          <a:ext cx="0" cy="0"/>
-          <a:chOff x="0" y="0"/>
-          <a:chExt cx="0" cy="0"/>
-        </a:xfrm>
-      </p:grpSpPr>
-      <p:pic>
-        <p:nvPicPr>
-          <p:cNvPr id="2" name="그림 1"/>
-          <p:cNvPicPr>
-            <a:picLocks noChangeAspect="1"/>
-          </p:cNvPicPr>
-          <p:nvPr/>
-        </p:nvPicPr>
-        <p:blipFill>
-          <a:blip r:embed="rId2"/>
-          <a:stretch>
-            <a:fillRect/>
-          </a:stretch>
-        </p:blipFill>
-        <p:spPr>
-          <a:xfrm>
-            <a:off x="966185" y="4252425"/>
-            <a:ext cx="4715533" cy="1457528"/>
-          </a:xfrm>
-          <a:prstGeom prst="rect">
-            <a:avLst/>
-          </a:prstGeom>
-        </p:spPr>
-      </p:pic>
-      <p:pic>
-        <p:nvPicPr>
-          <p:cNvPr id="3" name="그림 2"/>
-          <p:cNvPicPr>
-            <a:picLocks noChangeAspect="1"/>
-          </p:cNvPicPr>
-          <p:nvPr/>
-        </p:nvPicPr>
-        <p:blipFill>
-          <a:blip r:embed="rId3"/>
-          <a:stretch>
-            <a:fillRect/>
-          </a:stretch>
-        </p:blipFill>
-        <p:spPr>
-          <a:xfrm>
-            <a:off x="7878091" y="209861"/>
-            <a:ext cx="2917644" cy="5975093"/>
-          </a:xfrm>
-          <a:prstGeom prst="rect">
-            <a:avLst/>
-          </a:prstGeom>
-        </p:spPr>
-      </p:pic>
-      <p:sp>
-        <p:nvSpPr>
-          <p:cNvPr id="4" name="TextBox 3"/>
-          <p:cNvSpPr txBox="1"/>
-          <p:nvPr/>
-        </p:nvSpPr>
-        <p:spPr>
-          <a:xfrm>
-            <a:off x="6820525" y="4999220"/>
-            <a:ext cx="877163" cy="369332"/>
-          </a:xfrm>
-          <a:prstGeom prst="rect">
-            <a:avLst/>
-          </a:prstGeom>
-          <a:noFill/>
-        </p:spPr>
-        <p:txBody>
-          <a:bodyPr wrap="none" rtlCol="0">
-            <a:spAutoFit/>
-          </a:bodyPr>
-          <a:lstStyle/>
-          <a:p>
-            <a:r>
-              <a:rPr lang="ko-KR" altLang="en-US" dirty="0" smtClean="0"/>
-              <a:t>스크롤</a:t>
-            </a:r>
-            <a:endParaRPr lang="ko-KR" altLang="en-US" dirty="0"/>
-          </a:p>
-        </p:txBody>
-      </p:sp>
-    </p:spTree>
-    <p:extLst>
-      <p:ext uri="{BB962C8B-B14F-4D97-AF65-F5344CB8AC3E}">
-        <p14:creationId xmlns:p14="http://schemas.microsoft.com/office/powerpoint/2010/main" val="2710505602"/>
-      </p:ext>
-    </p:extLst>
-  </p:cSld>
-  <p:clrMapOvr>
-    <a:masterClrMapping/>
-  </p:clrMapOvr>
-</p:sld>
-</file>
-
-<file path=ppt/slides/slide5.xml><?xml version="1.0" encoding="utf-8"?>
-<p:sld xmlns:a="http://schemas.openxmlformats.org/drawingml/2006/main" xmlns:r="http://schemas.openxmlformats.org/officeDocument/2006/relationships" xmlns:p="http://schemas.openxmlformats.org/presentationml/2006/main">
-  <p:cSld>
-    <p:spTree>
-      <p:nvGrpSpPr>
-        <p:cNvPr id="1" name=""/>
-        <p:cNvGrpSpPr/>
-        <p:nvPr/>
-      </p:nvGrpSpPr>
-      <p:grpSpPr>
-        <a:xfrm>
-          <a:off x="0" y="0"/>
-          <a:ext cx="0" cy="0"/>
-          <a:chOff x="0" y="0"/>
-          <a:chExt cx="0" cy="0"/>
-        </a:xfrm>
-      </p:grpSpPr>
-      <p:sp>
-        <p:nvSpPr>
-          <p:cNvPr id="5" name="직사각형 4"/>
-          <p:cNvSpPr/>
-          <p:nvPr/>
-        </p:nvSpPr>
-        <p:spPr>
-          <a:xfrm>
-            <a:off x="4364543" y="2333799"/>
-            <a:ext cx="2450325" cy="3445899"/>
-          </a:xfrm>
-          <a:prstGeom prst="rect">
-            <a:avLst/>
-          </a:prstGeom>
-          <a:noFill/>
-          <a:ln w="50800"/>
-        </p:spPr>
-        <p:style>
-          <a:lnRef idx="2">
-            <a:schemeClr val="accent1">
-              <a:shade val="50000"/>
-            </a:schemeClr>
-          </a:lnRef>
-          <a:fillRef idx="1">
-            <a:schemeClr val="accent1"/>
-          </a:fillRef>
-          <a:effectRef idx="0">
-            <a:schemeClr val="accent1"/>
-          </a:effectRef>
-          <a:fontRef idx="minor">
-            <a:schemeClr val="lt1"/>
-          </a:fontRef>
-        </p:style>
-        <p:txBody>
-          <a:bodyPr rtlCol="0" anchor="ctr"/>
-          <a:lstStyle/>
-          <a:p>
-            <a:pPr algn="ctr"/>
-            <a:endParaRPr lang="ko-KR" altLang="en-US"/>
-          </a:p>
-        </p:txBody>
-      </p:sp>
-      <p:sp>
-        <p:nvSpPr>
-          <p:cNvPr id="6" name="직사각형 5"/>
-          <p:cNvSpPr/>
-          <p:nvPr/>
-        </p:nvSpPr>
-        <p:spPr>
-          <a:xfrm>
-            <a:off x="4128754" y="898938"/>
-            <a:ext cx="2915587" cy="5358983"/>
-          </a:xfrm>
-          <a:prstGeom prst="rect">
-            <a:avLst/>
-          </a:prstGeom>
-          <a:noFill/>
-          <a:ln w="50800">
-            <a:solidFill>
-              <a:srgbClr val="FF0000"/>
-            </a:solidFill>
-          </a:ln>
-        </p:spPr>
-        <p:style>
-          <a:lnRef idx="2">
-            <a:schemeClr val="accent1">
-              <a:shade val="50000"/>
-            </a:schemeClr>
-          </a:lnRef>
-          <a:fillRef idx="1">
-            <a:schemeClr val="accent1"/>
-          </a:fillRef>
-          <a:effectRef idx="0">
-            <a:schemeClr val="accent1"/>
-          </a:effectRef>
-          <a:fontRef idx="minor">
-            <a:schemeClr val="lt1"/>
-          </a:fontRef>
-        </p:style>
-        <p:txBody>
-          <a:bodyPr rtlCol="0" anchor="ctr"/>
-          <a:lstStyle/>
-          <a:p>
-            <a:pPr algn="ctr"/>
-            <a:endParaRPr lang="ko-KR" altLang="en-US"/>
-          </a:p>
-        </p:txBody>
-      </p:sp>
-      <p:sp>
-        <p:nvSpPr>
-          <p:cNvPr id="7" name="직사각형 6"/>
-          <p:cNvSpPr/>
-          <p:nvPr/>
-        </p:nvSpPr>
-        <p:spPr>
-          <a:xfrm>
-            <a:off x="1415480" y="2333799"/>
-            <a:ext cx="2450325" cy="3445899"/>
-          </a:xfrm>
-          <a:prstGeom prst="rect">
-            <a:avLst/>
-          </a:prstGeom>
-          <a:noFill/>
-          <a:ln w="50800"/>
-        </p:spPr>
-        <p:style>
-          <a:lnRef idx="2">
-            <a:schemeClr val="accent1">
-              <a:shade val="50000"/>
-            </a:schemeClr>
-          </a:lnRef>
-          <a:fillRef idx="1">
-            <a:schemeClr val="accent1"/>
-          </a:fillRef>
-          <a:effectRef idx="0">
-            <a:schemeClr val="accent1"/>
-          </a:effectRef>
-          <a:fontRef idx="minor">
-            <a:schemeClr val="lt1"/>
-          </a:fontRef>
-        </p:style>
-        <p:txBody>
-          <a:bodyPr rtlCol="0" anchor="ctr"/>
-          <a:lstStyle/>
-          <a:p>
-            <a:pPr algn="ctr"/>
-            <a:endParaRPr lang="ko-KR" altLang="en-US"/>
-          </a:p>
-        </p:txBody>
-      </p:sp>
-      <p:sp>
-        <p:nvSpPr>
-          <p:cNvPr id="8" name="직사각형 7"/>
-          <p:cNvSpPr/>
-          <p:nvPr/>
-        </p:nvSpPr>
-        <p:spPr>
-          <a:xfrm>
-            <a:off x="7320136" y="2333799"/>
-            <a:ext cx="2450325" cy="3445899"/>
-          </a:xfrm>
-          <a:prstGeom prst="rect">
-            <a:avLst/>
-          </a:prstGeom>
-          <a:noFill/>
-          <a:ln w="50800"/>
-        </p:spPr>
-        <p:style>
-          <a:lnRef idx="2">
-            <a:schemeClr val="accent1">
-              <a:shade val="50000"/>
-            </a:schemeClr>
-          </a:lnRef>
-          <a:fillRef idx="1">
-            <a:schemeClr val="accent1"/>
-          </a:fillRef>
-          <a:effectRef idx="0">
-            <a:schemeClr val="accent1"/>
-          </a:effectRef>
-          <a:fontRef idx="minor">
-            <a:schemeClr val="lt1"/>
-          </a:fontRef>
-        </p:style>
-        <p:txBody>
-          <a:bodyPr rtlCol="0" anchor="ctr"/>
-          <a:lstStyle/>
-          <a:p>
-            <a:pPr algn="ctr"/>
-            <a:endParaRPr lang="ko-KR" altLang="en-US"/>
-          </a:p>
-        </p:txBody>
-      </p:sp>
-    </p:spTree>
-    <p:extLst>
-      <p:ext uri="{BB962C8B-B14F-4D97-AF65-F5344CB8AC3E}">
-        <p14:creationId xmlns:p14="http://schemas.microsoft.com/office/powerpoint/2010/main" val="54778680"/>
-      </p:ext>
-    </p:extLst>
-  </p:cSld>
-  <p:clrMapOvr>
-    <a:masterClrMapping/>
-  </p:clrMapOvr>
-</p:sld>
-</file>
-
 <file path=ppt/theme/theme1.xml><?xml version="1.0" encoding="utf-8"?>
 <a:theme xmlns:a="http://schemas.openxmlformats.org/drawingml/2006/main" name="Office 테마">
   <a:themeElements>
